--- a/aws-cloud-arch/security/DevOpsPipeline.pptx
+++ b/aws-cloud-arch/security/DevOpsPipeline.pptx
@@ -5579,7 +5579,7 @@
         </p:nvSpPr>
         <p:spPr>
           <a:xfrm>
-            <a:off x="2441363" y="2111425"/>
+            <a:off x="1137215" y="2119076"/>
             <a:ext cx="1308000" cy="597600"/>
           </a:xfrm>
           <a:prstGeom prst="rect">
@@ -5793,38 +5793,6 @@
       </p:sp>
       <p:cxnSp>
         <p:nvCxnSpPr>
-          <p:cNvPr id="59" name="Google Shape;59;p13"/>
-          <p:cNvCxnSpPr>
-            <a:cxnSpLocks/>
-            <a:stCxn id="57" idx="3"/>
-            <a:endCxn id="23" idx="1"/>
-          </p:cNvCxnSpPr>
-          <p:nvPr/>
-        </p:nvCxnSpPr>
-        <p:spPr>
-          <a:xfrm flipV="1">
-            <a:off x="1562054" y="1215025"/>
-            <a:ext cx="880064" cy="2384"/>
-          </a:xfrm>
-          <a:prstGeom prst="bentConnector3">
-            <a:avLst>
-              <a:gd name="adj1" fmla="val 50000"/>
-            </a:avLst>
-          </a:prstGeom>
-          <a:noFill/>
-          <a:ln w="9525" cap="flat" cmpd="sng">
-            <a:solidFill>
-              <a:schemeClr val="dk2"/>
-            </a:solidFill>
-            <a:prstDash val="solid"/>
-            <a:round/>
-            <a:headEnd type="none" w="med" len="med"/>
-            <a:tailEnd type="triangle" w="med" len="med"/>
-          </a:ln>
-        </p:spPr>
-      </p:cxnSp>
-      <p:cxnSp>
-        <p:nvCxnSpPr>
           <p:cNvPr id="60" name="Google Shape;60;p13"/>
           <p:cNvCxnSpPr>
             <a:cxnSpLocks/>
@@ -5859,15 +5827,16 @@
         <p:nvCxnSpPr>
           <p:cNvPr id="61" name="Google Shape;61;p13"/>
           <p:cNvCxnSpPr>
+            <a:cxnSpLocks/>
             <a:stCxn id="54" idx="3"/>
-            <a:endCxn id="56" idx="1"/>
+            <a:endCxn id="23" idx="1"/>
           </p:cNvCxnSpPr>
           <p:nvPr/>
         </p:nvCxnSpPr>
         <p:spPr>
-          <a:xfrm>
-            <a:off x="3749363" y="2410225"/>
-            <a:ext cx="873900" cy="600"/>
+          <a:xfrm flipV="1">
+            <a:off x="2445215" y="2413275"/>
+            <a:ext cx="414862" cy="4601"/>
           </a:xfrm>
           <a:prstGeom prst="bentConnector3">
             <a:avLst>
@@ -6009,7 +5978,7 @@
         </p:nvSpPr>
         <p:spPr>
           <a:xfrm>
-            <a:off x="2442118" y="916225"/>
+            <a:off x="2860077" y="2114475"/>
             <a:ext cx="1308000" cy="597600"/>
           </a:xfrm>
           <a:prstGeom prst="rect">
@@ -6048,20 +6017,18 @@
           </p:cNvPr>
           <p:cNvCxnSpPr>
             <a:cxnSpLocks/>
-            <a:stCxn id="23" idx="2"/>
-            <a:endCxn id="54" idx="0"/>
+            <a:stCxn id="57" idx="2"/>
+            <a:endCxn id="54" idx="1"/>
           </p:cNvCxnSpPr>
           <p:nvPr/>
         </p:nvCxnSpPr>
         <p:spPr>
-          <a:xfrm rot="5400000">
-            <a:off x="2796941" y="1812248"/>
-            <a:ext cx="597600" cy="755"/>
+          <a:xfrm rot="16200000" flipH="1">
+            <a:off x="571801" y="1852461"/>
+            <a:ext cx="901667" cy="229161"/>
           </a:xfrm>
-          <a:prstGeom prst="bentConnector3">
-            <a:avLst>
-              <a:gd name="adj1" fmla="val 50000"/>
-            </a:avLst>
+          <a:prstGeom prst="bentConnector2">
+            <a:avLst/>
           </a:prstGeom>
           <a:noFill/>
           <a:ln w="9525" cap="flat" cmpd="sng">
@@ -6136,6 +6103,44 @@
           <a:xfrm rot="16200000" flipH="1">
             <a:off x="7274377" y="3073073"/>
             <a:ext cx="733605" cy="5508"/>
+          </a:xfrm>
+          <a:prstGeom prst="bentConnector3">
+            <a:avLst>
+              <a:gd name="adj1" fmla="val 50000"/>
+            </a:avLst>
+          </a:prstGeom>
+          <a:noFill/>
+          <a:ln w="9525" cap="flat" cmpd="sng">
+            <a:solidFill>
+              <a:schemeClr val="dk2"/>
+            </a:solidFill>
+            <a:prstDash val="solid"/>
+            <a:round/>
+            <a:headEnd type="none" w="med" len="med"/>
+            <a:tailEnd type="triangle" w="med" len="med"/>
+          </a:ln>
+        </p:spPr>
+      </p:cxnSp>
+      <p:cxnSp>
+        <p:nvCxnSpPr>
+          <p:cNvPr id="25" name="Google Shape;61;p13">
+            <a:extLst>
+              <a:ext uri="{FF2B5EF4-FFF2-40B4-BE49-F238E27FC236}">
+                <a16:creationId xmlns:a16="http://schemas.microsoft.com/office/drawing/2014/main" id="{FD6CCB08-A7A1-074E-8D63-FD723CC48963}"/>
+              </a:ext>
+            </a:extLst>
+          </p:cNvPr>
+          <p:cNvCxnSpPr>
+            <a:cxnSpLocks/>
+            <a:stCxn id="23" idx="3"/>
+            <a:endCxn id="56" idx="1"/>
+          </p:cNvCxnSpPr>
+          <p:nvPr/>
+        </p:nvCxnSpPr>
+        <p:spPr>
+          <a:xfrm flipV="1">
+            <a:off x="4168077" y="2410225"/>
+            <a:ext cx="455186" cy="3050"/>
           </a:xfrm>
           <a:prstGeom prst="bentConnector3">
             <a:avLst>

--- a/aws-cloud-arch/security/DevOpsPipeline.pptx
+++ b/aws-cloud-arch/security/DevOpsPipeline.pptx
@@ -5579,7 +5579,7 @@
         </p:nvSpPr>
         <p:spPr>
           <a:xfrm>
-            <a:off x="1137215" y="2119076"/>
+            <a:off x="742576" y="2111424"/>
             <a:ext cx="1308000" cy="597600"/>
           </a:xfrm>
           <a:prstGeom prst="rect">
@@ -5711,7 +5711,7 @@
         </p:nvSpPr>
         <p:spPr>
           <a:xfrm>
-            <a:off x="254054" y="918609"/>
+            <a:off x="254054" y="497190"/>
             <a:ext cx="1308000" cy="597600"/>
           </a:xfrm>
           <a:prstGeom prst="rect">
@@ -5834,9 +5834,9 @@
           <p:nvPr/>
         </p:nvCxnSpPr>
         <p:spPr>
-          <a:xfrm flipV="1">
-            <a:off x="2445215" y="2413275"/>
-            <a:ext cx="414862" cy="4601"/>
+          <a:xfrm>
+            <a:off x="2050576" y="2410224"/>
+            <a:ext cx="470886" cy="1006"/>
           </a:xfrm>
           <a:prstGeom prst="bentConnector3">
             <a:avLst>
@@ -5978,7 +5978,7 @@
         </p:nvSpPr>
         <p:spPr>
           <a:xfrm>
-            <a:off x="2860077" y="2114475"/>
+            <a:off x="2521462" y="2112430"/>
             <a:ext cx="1308000" cy="597600"/>
           </a:xfrm>
           <a:prstGeom prst="rect">
@@ -6017,15 +6017,14 @@
           </p:cNvPr>
           <p:cNvCxnSpPr>
             <a:cxnSpLocks/>
-            <a:stCxn id="57" idx="2"/>
             <a:endCxn id="54" idx="1"/>
           </p:cNvCxnSpPr>
           <p:nvPr/>
         </p:nvCxnSpPr>
         <p:spPr>
           <a:xfrm rot="16200000" flipH="1">
-            <a:off x="571801" y="1852461"/>
-            <a:ext cx="901667" cy="229161"/>
+            <a:off x="-79695" y="1587953"/>
+            <a:ext cx="1315434" cy="329108"/>
           </a:xfrm>
           <a:prstGeom prst="bentConnector2">
             <a:avLst/>
@@ -6139,8 +6138,8 @@
         </p:nvCxnSpPr>
         <p:spPr>
           <a:xfrm flipV="1">
-            <a:off x="4168077" y="2410225"/>
-            <a:ext cx="455186" cy="3050"/>
+            <a:off x="3829462" y="2410225"/>
+            <a:ext cx="793801" cy="1005"/>
           </a:xfrm>
           <a:prstGeom prst="bentConnector3">
             <a:avLst>
